--- a/documentation/RIA_files_drawio/ifmlRIA.pptx
+++ b/documentation/RIA_files_drawio/ifmlRIA.pptx
@@ -6478,7 +6478,7 @@
         </p:nvSpPr>
         <p:spPr>
           <a:xfrm>
-            <a:off x="462876" y="6581418"/>
+            <a:off x="462876" y="6580203"/>
             <a:ext cx="215434" cy="151409"/>
           </a:xfrm>
           <a:prstGeom prst="ellipse">
@@ -6542,13 +6542,13 @@
         </p:nvCxnSpPr>
         <p:spPr>
           <a:xfrm rot="10800000" flipH="1" flipV="1">
-            <a:off x="462876" y="6657122"/>
-            <a:ext cx="229478" cy="2060425"/>
+            <a:off x="462876" y="6655908"/>
+            <a:ext cx="229478" cy="2061640"/>
           </a:xfrm>
           <a:prstGeom prst="bentConnector4">
             <a:avLst>
               <a:gd name="adj1" fmla="val -99617"/>
-              <a:gd name="adj2" fmla="val 51837"/>
+              <a:gd name="adj2" fmla="val 51836"/>
             </a:avLst>
           </a:prstGeom>
           <a:noFill/>
@@ -8736,6 +8736,169 @@
             <a:endParaRPr sz="1800" u="sng" dirty="0">
               <a:solidFill>
                 <a:schemeClr val="lt1"/>
+              </a:solidFill>
+              <a:latin typeface="Calibri"/>
+              <a:ea typeface="Calibri"/>
+              <a:cs typeface="Calibri"/>
+              <a:sym typeface="Calibri"/>
+            </a:endParaRPr>
+          </a:p>
+        </p:txBody>
+      </p:sp>
+      <p:sp>
+        <p:nvSpPr>
+          <p:cNvPr id="95" name="Google Shape;200;p33">
+            <a:extLst>
+              <a:ext uri="{FF2B5EF4-FFF2-40B4-BE49-F238E27FC236}">
+                <a16:creationId xmlns:a16="http://schemas.microsoft.com/office/drawing/2014/main" id="{AE0AABF6-8A16-BDD7-C44E-6E348AE1409F}"/>
+              </a:ext>
+            </a:extLst>
+          </p:cNvPr>
+          <p:cNvSpPr/>
+          <p:nvPr/>
+        </p:nvSpPr>
+        <p:spPr>
+          <a:xfrm>
+            <a:off x="460628" y="5514243"/>
+            <a:ext cx="215434" cy="151409"/>
+          </a:xfrm>
+          <a:prstGeom prst="ellipse">
+            <a:avLst/>
+          </a:prstGeom>
+          <a:solidFill>
+            <a:schemeClr val="accent1"/>
+          </a:solidFill>
+          <a:ln w="22225" cap="flat" cmpd="sng">
+            <a:solidFill>
+              <a:srgbClr val="395E89"/>
+            </a:solidFill>
+            <a:prstDash val="solid"/>
+            <a:round/>
+            <a:headEnd type="none" w="sm" len="sm"/>
+            <a:tailEnd type="none" w="sm" len="sm"/>
+          </a:ln>
+        </p:spPr>
+        <p:txBody>
+          <a:bodyPr spcFirstLastPara="1" wrap="square" lIns="91425" tIns="45700" rIns="91425" bIns="45700" anchor="ctr" anchorCtr="0">
+            <a:noAutofit/>
+          </a:bodyPr>
+          <a:lstStyle/>
+          <a:p>
+            <a:pPr marL="0" marR="0" lvl="0" indent="0" algn="ctr" rtl="0">
+              <a:spcBef>
+                <a:spcPts val="0"/>
+              </a:spcBef>
+              <a:spcAft>
+                <a:spcPts val="0"/>
+              </a:spcAft>
+              <a:buNone/>
+            </a:pPr>
+            <a:endParaRPr sz="1800" u="sng" dirty="0">
+              <a:solidFill>
+                <a:schemeClr val="lt1"/>
+              </a:solidFill>
+              <a:latin typeface="Calibri"/>
+              <a:ea typeface="Calibri"/>
+              <a:cs typeface="Calibri"/>
+              <a:sym typeface="Calibri"/>
+            </a:endParaRPr>
+          </a:p>
+        </p:txBody>
+      </p:sp>
+      <p:cxnSp>
+        <p:nvCxnSpPr>
+          <p:cNvPr id="96" name="Google Shape;205;p33">
+            <a:extLst>
+              <a:ext uri="{FF2B5EF4-FFF2-40B4-BE49-F238E27FC236}">
+                <a16:creationId xmlns:a16="http://schemas.microsoft.com/office/drawing/2014/main" id="{ED8F645F-6993-350F-14C0-7CB1FA9268A0}"/>
+              </a:ext>
+            </a:extLst>
+          </p:cNvPr>
+          <p:cNvCxnSpPr>
+            <a:cxnSpLocks/>
+            <a:stCxn id="95" idx="2"/>
+          </p:cNvCxnSpPr>
+          <p:nvPr/>
+        </p:nvCxnSpPr>
+        <p:spPr>
+          <a:xfrm rot="10800000" flipH="1" flipV="1">
+            <a:off x="460628" y="5589948"/>
+            <a:ext cx="92024" cy="604252"/>
+          </a:xfrm>
+          <a:prstGeom prst="bentConnector4">
+            <a:avLst>
+              <a:gd name="adj1" fmla="val -248413"/>
+              <a:gd name="adj2" fmla="val 100710"/>
+            </a:avLst>
+          </a:prstGeom>
+          <a:noFill/>
+          <a:ln w="22225" cap="flat" cmpd="sng">
+            <a:solidFill>
+              <a:schemeClr val="accent1"/>
+            </a:solidFill>
+            <a:prstDash val="solid"/>
+            <a:round/>
+            <a:headEnd type="none" w="sm" len="sm"/>
+            <a:tailEnd type="stealth" w="med" len="med"/>
+          </a:ln>
+          <a:effectLst/>
+        </p:spPr>
+      </p:cxnSp>
+      <p:sp>
+        <p:nvSpPr>
+          <p:cNvPr id="100" name="Google Shape;204;p33">
+            <a:extLst>
+              <a:ext uri="{FF2B5EF4-FFF2-40B4-BE49-F238E27FC236}">
+                <a16:creationId xmlns:a16="http://schemas.microsoft.com/office/drawing/2014/main" id="{A9465C9D-1C8F-2D30-625C-80F379F8DF84}"/>
+              </a:ext>
+            </a:extLst>
+          </p:cNvPr>
+          <p:cNvSpPr txBox="1"/>
+          <p:nvPr/>
+        </p:nvSpPr>
+        <p:spPr>
+          <a:xfrm>
+            <a:off x="81993" y="5330924"/>
+            <a:ext cx="686152" cy="315874"/>
+          </a:xfrm>
+          <a:prstGeom prst="rect">
+            <a:avLst/>
+          </a:prstGeom>
+          <a:noFill/>
+          <a:ln>
+            <a:noFill/>
+          </a:ln>
+        </p:spPr>
+        <p:txBody>
+          <a:bodyPr spcFirstLastPara="1" wrap="square" lIns="91425" tIns="45700" rIns="91425" bIns="45700" anchor="t" anchorCtr="0">
+            <a:noAutofit/>
+          </a:bodyPr>
+          <a:lstStyle/>
+          <a:p>
+            <a:pPr marL="0" marR="0" lvl="0" indent="0" algn="l" rtl="0">
+              <a:spcBef>
+                <a:spcPts val="0"/>
+              </a:spcBef>
+              <a:spcAft>
+                <a:spcPts val="0"/>
+              </a:spcAft>
+              <a:buNone/>
+            </a:pPr>
+            <a:r>
+              <a:rPr lang="es-419" sz="1100" dirty="0">
+                <a:solidFill>
+                  <a:schemeClr val="dk1"/>
+                </a:solidFill>
+                <a:latin typeface="Calibri"/>
+                <a:ea typeface="Calibri"/>
+                <a:cs typeface="Calibri"/>
+                <a:sym typeface="Calibri"/>
+              </a:rPr>
+              <a:t>select</a:t>
+            </a:r>
+            <a:endParaRPr sz="1100" dirty="0">
+              <a:solidFill>
+                <a:schemeClr val="dk1"/>
               </a:solidFill>
               <a:latin typeface="Calibri"/>
               <a:ea typeface="Calibri"/>
